--- a/src/assets/img/Presentation1 - comparison.pptx
+++ b/src/assets/img/Presentation1 - comparison.pptx
@@ -12,11 +12,13 @@
     <p:sldId id="270" r:id="rId6"/>
     <p:sldId id="272" r:id="rId7"/>
     <p:sldId id="266" r:id="rId8"/>
-    <p:sldId id="262" r:id="rId9"/>
-    <p:sldId id="261" r:id="rId10"/>
-    <p:sldId id="260" r:id="rId11"/>
-    <p:sldId id="263" r:id="rId12"/>
-    <p:sldId id="268" r:id="rId13"/>
+    <p:sldId id="274" r:id="rId9"/>
+    <p:sldId id="262" r:id="rId10"/>
+    <p:sldId id="261" r:id="rId11"/>
+    <p:sldId id="260" r:id="rId12"/>
+    <p:sldId id="273" r:id="rId13"/>
+    <p:sldId id="263" r:id="rId14"/>
+    <p:sldId id="268" r:id="rId15"/>
   </p:sldIdLst>
   <p:sldSz cx="12192000" cy="6858000"/>
   <p:notesSz cx="6858000" cy="9144000"/>
@@ -272,7 +274,7 @@
           <a:p>
             <a:fld id="{30976E16-775E-4B4F-9FA1-C4EE629F34C1}" type="datetimeFigureOut">
               <a:rPr lang="en-IL" smtClean="0"/>
-              <a:t>09/09/2020</a:t>
+              <a:t>10/09/2020</a:t>
             </a:fld>
             <a:endParaRPr lang="en-IL"/>
           </a:p>
@@ -472,7 +474,7 @@
           <a:p>
             <a:fld id="{30976E16-775E-4B4F-9FA1-C4EE629F34C1}" type="datetimeFigureOut">
               <a:rPr lang="en-IL" smtClean="0"/>
-              <a:t>09/09/2020</a:t>
+              <a:t>10/09/2020</a:t>
             </a:fld>
             <a:endParaRPr lang="en-IL"/>
           </a:p>
@@ -682,7 +684,7 @@
           <a:p>
             <a:fld id="{30976E16-775E-4B4F-9FA1-C4EE629F34C1}" type="datetimeFigureOut">
               <a:rPr lang="en-IL" smtClean="0"/>
-              <a:t>09/09/2020</a:t>
+              <a:t>10/09/2020</a:t>
             </a:fld>
             <a:endParaRPr lang="en-IL"/>
           </a:p>
@@ -882,7 +884,7 @@
           <a:p>
             <a:fld id="{30976E16-775E-4B4F-9FA1-C4EE629F34C1}" type="datetimeFigureOut">
               <a:rPr lang="en-IL" smtClean="0"/>
-              <a:t>09/09/2020</a:t>
+              <a:t>10/09/2020</a:t>
             </a:fld>
             <a:endParaRPr lang="en-IL"/>
           </a:p>
@@ -1158,7 +1160,7 @@
           <a:p>
             <a:fld id="{30976E16-775E-4B4F-9FA1-C4EE629F34C1}" type="datetimeFigureOut">
               <a:rPr lang="en-IL" smtClean="0"/>
-              <a:t>09/09/2020</a:t>
+              <a:t>10/09/2020</a:t>
             </a:fld>
             <a:endParaRPr lang="en-IL"/>
           </a:p>
@@ -1426,7 +1428,7 @@
           <a:p>
             <a:fld id="{30976E16-775E-4B4F-9FA1-C4EE629F34C1}" type="datetimeFigureOut">
               <a:rPr lang="en-IL" smtClean="0"/>
-              <a:t>09/09/2020</a:t>
+              <a:t>10/09/2020</a:t>
             </a:fld>
             <a:endParaRPr lang="en-IL"/>
           </a:p>
@@ -1841,7 +1843,7 @@
           <a:p>
             <a:fld id="{30976E16-775E-4B4F-9FA1-C4EE629F34C1}" type="datetimeFigureOut">
               <a:rPr lang="en-IL" smtClean="0"/>
-              <a:t>09/09/2020</a:t>
+              <a:t>10/09/2020</a:t>
             </a:fld>
             <a:endParaRPr lang="en-IL"/>
           </a:p>
@@ -1983,7 +1985,7 @@
           <a:p>
             <a:fld id="{30976E16-775E-4B4F-9FA1-C4EE629F34C1}" type="datetimeFigureOut">
               <a:rPr lang="en-IL" smtClean="0"/>
-              <a:t>09/09/2020</a:t>
+              <a:t>10/09/2020</a:t>
             </a:fld>
             <a:endParaRPr lang="en-IL"/>
           </a:p>
@@ -2096,7 +2098,7 @@
           <a:p>
             <a:fld id="{30976E16-775E-4B4F-9FA1-C4EE629F34C1}" type="datetimeFigureOut">
               <a:rPr lang="en-IL" smtClean="0"/>
-              <a:t>09/09/2020</a:t>
+              <a:t>10/09/2020</a:t>
             </a:fld>
             <a:endParaRPr lang="en-IL"/>
           </a:p>
@@ -2409,7 +2411,7 @@
           <a:p>
             <a:fld id="{30976E16-775E-4B4F-9FA1-C4EE629F34C1}" type="datetimeFigureOut">
               <a:rPr lang="en-IL" smtClean="0"/>
-              <a:t>09/09/2020</a:t>
+              <a:t>10/09/2020</a:t>
             </a:fld>
             <a:endParaRPr lang="en-IL"/>
           </a:p>
@@ -2698,7 +2700,7 @@
           <a:p>
             <a:fld id="{30976E16-775E-4B4F-9FA1-C4EE629F34C1}" type="datetimeFigureOut">
               <a:rPr lang="en-IL" smtClean="0"/>
-              <a:t>09/09/2020</a:t>
+              <a:t>10/09/2020</a:t>
             </a:fld>
             <a:endParaRPr lang="en-IL"/>
           </a:p>
@@ -2953,7 +2955,7 @@
           <a:p>
             <a:fld id="{30976E16-775E-4B4F-9FA1-C4EE629F34C1}" type="datetimeFigureOut">
               <a:rPr lang="en-IL" smtClean="0"/>
-              <a:t>09/09/2020</a:t>
+              <a:t>10/09/2020</a:t>
             </a:fld>
             <a:endParaRPr lang="en-IL"/>
           </a:p>
@@ -4660,7 +4662,245 @@
 </file>
 
 <file path=ppt/slides/slide10.xml><?xml version="1.0" encoding="utf-8"?>
-<p:sld xmlns:a="http://schemas.openxmlformats.org/drawingml/2006/main" xmlns:r="http://schemas.openxmlformats.org/officeDocument/2006/relationships" xmlns:p="http://schemas.openxmlformats.org/presentationml/2006/main">
+<p:sld xmlns:a="http://schemas.openxmlformats.org/drawingml/2006/main" xmlns:r="http://schemas.openxmlformats.org/officeDocument/2006/relationships" xmlns:p="http://schemas.openxmlformats.org/presentationml/2006/main" show="0">
+  <p:cSld>
+    <p:spTree>
+      <p:nvGrpSpPr>
+        <p:cNvPr id="1" name=""/>
+        <p:cNvGrpSpPr/>
+        <p:nvPr/>
+      </p:nvGrpSpPr>
+      <p:grpSpPr>
+        <a:xfrm>
+          <a:off x="0" y="0"/>
+          <a:ext cx="0" cy="0"/>
+          <a:chOff x="0" y="0"/>
+          <a:chExt cx="0" cy="0"/>
+        </a:xfrm>
+      </p:grpSpPr>
+      <p:sp>
+        <p:nvSpPr>
+          <p:cNvPr id="2" name="Title 1">
+            <a:extLst>
+              <a:ext uri="{FF2B5EF4-FFF2-40B4-BE49-F238E27FC236}">
+                <a16:creationId xmlns:a16="http://schemas.microsoft.com/office/drawing/2014/main" id="{4AAC5AB5-9321-4DFF-B205-2554CD4A29FE}"/>
+              </a:ext>
+            </a:extLst>
+          </p:cNvPr>
+          <p:cNvSpPr>
+            <a:spLocks noGrp="1"/>
+          </p:cNvSpPr>
+          <p:nvPr>
+            <p:ph type="title"/>
+          </p:nvPr>
+        </p:nvSpPr>
+        <p:spPr/>
+        <p:txBody>
+          <a:bodyPr>
+            <a:normAutofit/>
+          </a:bodyPr>
+          <a:lstStyle/>
+          <a:p>
+            <a:r>
+              <a:rPr lang="en-US" sz="3200" u="sng" dirty="0">
+                <a:latin typeface="+mn-lt"/>
+              </a:rPr>
+              <a:t>Angular</a:t>
+            </a:r>
+            <a:r>
+              <a:rPr lang="en-US" sz="3200" dirty="0">
+                <a:latin typeface="+mn-lt"/>
+              </a:rPr>
+              <a:t>:</a:t>
+            </a:r>
+            <a:endParaRPr lang="LID4096" sz="3200" dirty="0">
+              <a:latin typeface="+mn-lt"/>
+            </a:endParaRPr>
+          </a:p>
+        </p:txBody>
+      </p:sp>
+      <p:sp>
+        <p:nvSpPr>
+          <p:cNvPr id="3" name="Content Placeholder 2">
+            <a:extLst>
+              <a:ext uri="{FF2B5EF4-FFF2-40B4-BE49-F238E27FC236}">
+                <a16:creationId xmlns:a16="http://schemas.microsoft.com/office/drawing/2014/main" id="{C3133856-4561-494E-AAFE-424917C13153}"/>
+              </a:ext>
+            </a:extLst>
+          </p:cNvPr>
+          <p:cNvSpPr>
+            <a:spLocks noGrp="1"/>
+          </p:cNvSpPr>
+          <p:nvPr>
+            <p:ph idx="1"/>
+          </p:nvPr>
+        </p:nvSpPr>
+        <p:spPr/>
+        <p:txBody>
+          <a:bodyPr>
+            <a:normAutofit/>
+          </a:bodyPr>
+          <a:lstStyle/>
+          <a:p>
+            <a:r>
+              <a:rPr lang="en-US" sz="1100" b="0" i="0" dirty="0">
+                <a:solidFill>
+                  <a:srgbClr val="222222"/>
+                </a:solidFill>
+                <a:effectLst/>
+              </a:rPr>
+              <a:t>Built-in support for AJAX, HTTP, and Observables</a:t>
+            </a:r>
+          </a:p>
+          <a:p>
+            <a:r>
+              <a:rPr lang="en-US" sz="1100" b="0" i="0" dirty="0">
+                <a:solidFill>
+                  <a:srgbClr val="222222"/>
+                </a:solidFill>
+                <a:effectLst/>
+              </a:rPr>
+              <a:t>Consistent with technology</a:t>
+            </a:r>
+          </a:p>
+          <a:p>
+            <a:pPr algn="l">
+              <a:buFont typeface="Arial" panose="020B0604020202020204" pitchFamily="34" charset="0"/>
+              <a:buChar char="•"/>
+            </a:pPr>
+            <a:r>
+              <a:rPr lang="en-US" sz="1100" b="0" i="0" dirty="0">
+                <a:solidFill>
+                  <a:srgbClr val="222222"/>
+                </a:solidFill>
+                <a:effectLst/>
+              </a:rPr>
+              <a:t>Cleaner and crisp Coding</a:t>
+            </a:r>
+          </a:p>
+          <a:p>
+            <a:pPr algn="l">
+              <a:buFont typeface="Arial" panose="020B0604020202020204" pitchFamily="34" charset="0"/>
+              <a:buChar char="•"/>
+            </a:pPr>
+            <a:r>
+              <a:rPr lang="en-US" sz="1100" b="0" i="0" dirty="0">
+                <a:solidFill>
+                  <a:srgbClr val="222222"/>
+                </a:solidFill>
+                <a:effectLst/>
+              </a:rPr>
+              <a:t>Enhanced support for error handling</a:t>
+            </a:r>
+          </a:p>
+          <a:p>
+            <a:r>
+              <a:rPr lang="en-US" sz="1100" b="0" i="0" dirty="0">
+                <a:solidFill>
+                  <a:srgbClr val="222222"/>
+                </a:solidFill>
+                <a:effectLst/>
+              </a:rPr>
+              <a:t>Forms and validation</a:t>
+            </a:r>
+          </a:p>
+          <a:p>
+            <a:r>
+              <a:rPr lang="en-US" sz="1100" b="0" i="0" dirty="0">
+                <a:solidFill>
+                  <a:srgbClr val="222222"/>
+                </a:solidFill>
+                <a:effectLst/>
+              </a:rPr>
+              <a:t>Shadow DOM / local CSS</a:t>
+            </a:r>
+          </a:p>
+          <a:p>
+            <a:r>
+              <a:rPr lang="en-US" sz="1100" b="0" i="0" dirty="0">
+                <a:solidFill>
+                  <a:srgbClr val="222222"/>
+                </a:solidFill>
+                <a:effectLst/>
+              </a:rPr>
+              <a:t>UI and Business Logic Separation</a:t>
+            </a:r>
+          </a:p>
+          <a:p>
+            <a:r>
+              <a:rPr lang="en-US" sz="1100" dirty="0">
+                <a:solidFill>
+                  <a:srgbClr val="222222"/>
+                </a:solidFill>
+              </a:rPr>
+              <a:t>Modularity,  </a:t>
+            </a:r>
+            <a:endParaRPr lang="LID4096" sz="1100" dirty="0"/>
+          </a:p>
+        </p:txBody>
+      </p:sp>
+      <p:pic>
+        <p:nvPicPr>
+          <p:cNvPr id="9" name="Picture 6" descr="Angular Logo png transparent">
+            <a:extLst>
+              <a:ext uri="{FF2B5EF4-FFF2-40B4-BE49-F238E27FC236}">
+                <a16:creationId xmlns:a16="http://schemas.microsoft.com/office/drawing/2014/main" id="{20ACC32B-2E81-479A-B641-DA81A1350821}"/>
+              </a:ext>
+            </a:extLst>
+          </p:cNvPr>
+          <p:cNvPicPr>
+            <a:picLocks noChangeAspect="1" noChangeArrowheads="1"/>
+          </p:cNvPicPr>
+          <p:nvPr/>
+        </p:nvPicPr>
+        <p:blipFill>
+          <a:blip r:embed="rId2">
+            <a:extLst>
+              <a:ext uri="{28A0092B-C50C-407E-A947-70E740481C1C}">
+                <a14:useLocalDpi xmlns:a14="http://schemas.microsoft.com/office/drawing/2010/main" val="0"/>
+              </a:ext>
+            </a:extLst>
+          </a:blip>
+          <a:srcRect/>
+          <a:stretch>
+            <a:fillRect/>
+          </a:stretch>
+        </p:blipFill>
+        <p:spPr bwMode="auto">
+          <a:xfrm>
+            <a:off x="9914246" y="235986"/>
+            <a:ext cx="1867466" cy="1984126"/>
+          </a:xfrm>
+          <a:prstGeom prst="rect">
+            <a:avLst/>
+          </a:prstGeom>
+          <a:noFill/>
+          <a:extLst>
+            <a:ext uri="{909E8E84-426E-40DD-AFC4-6F175D3DCCD1}">
+              <a14:hiddenFill xmlns:a14="http://schemas.microsoft.com/office/drawing/2010/main">
+                <a:solidFill>
+                  <a:srgbClr val="FFFFFF"/>
+                </a:solidFill>
+              </a14:hiddenFill>
+            </a:ext>
+          </a:extLst>
+        </p:spPr>
+      </p:pic>
+    </p:spTree>
+    <p:extLst>
+      <p:ext uri="{BB962C8B-B14F-4D97-AF65-F5344CB8AC3E}">
+        <p14:creationId xmlns:p14="http://schemas.microsoft.com/office/powerpoint/2010/main" val="2069121290"/>
+      </p:ext>
+    </p:extLst>
+  </p:cSld>
+  <p:clrMapOvr>
+    <a:masterClrMapping/>
+  </p:clrMapOvr>
+</p:sld>
+</file>
+
+<file path=ppt/slides/slide11.xml><?xml version="1.0" encoding="utf-8"?>
+<p:sld xmlns:a="http://schemas.openxmlformats.org/drawingml/2006/main" xmlns:r="http://schemas.openxmlformats.org/officeDocument/2006/relationships" xmlns:p="http://schemas.openxmlformats.org/presentationml/2006/main" show="0">
   <p:cSld>
     <p:spTree>
       <p:nvGrpSpPr>
@@ -5011,8 +5251,6 @@
               </a:rPr>
               <a:t>Simplicity and Composable</a:t>
             </a:r>
-          </a:p>
-          <a:p>
             <a:endParaRPr lang="en-US" sz="2000" dirty="0">
               <a:solidFill>
                 <a:srgbClr val="222222"/>
@@ -5029,6 +5267,14 @@
               </a:rPr>
               <a:t>React Component</a:t>
             </a:r>
+          </a:p>
+          <a:p>
+            <a:endParaRPr lang="en-US" sz="2000" b="0" i="0" dirty="0">
+              <a:solidFill>
+                <a:srgbClr val="222222"/>
+              </a:solidFill>
+              <a:effectLst/>
+            </a:endParaRPr>
           </a:p>
         </p:txBody>
       </p:sp>
@@ -5045,7 +5291,395 @@
 </p:sld>
 </file>
 
-<file path=ppt/slides/slide11.xml><?xml version="1.0" encoding="utf-8"?>
+<file path=ppt/slides/slide12.xml><?xml version="1.0" encoding="utf-8"?>
+<p:sld xmlns:a="http://schemas.openxmlformats.org/drawingml/2006/main" xmlns:r="http://schemas.openxmlformats.org/officeDocument/2006/relationships" xmlns:p="http://schemas.openxmlformats.org/presentationml/2006/main" show="0">
+  <p:cSld>
+    <p:spTree>
+      <p:nvGrpSpPr>
+        <p:cNvPr id="1" name=""/>
+        <p:cNvGrpSpPr/>
+        <p:nvPr/>
+      </p:nvGrpSpPr>
+      <p:grpSpPr>
+        <a:xfrm>
+          <a:off x="0" y="0"/>
+          <a:ext cx="0" cy="0"/>
+          <a:chOff x="0" y="0"/>
+          <a:chExt cx="0" cy="0"/>
+        </a:xfrm>
+      </p:grpSpPr>
+      <p:sp>
+        <p:nvSpPr>
+          <p:cNvPr id="8" name="Title 1">
+            <a:extLst>
+              <a:ext uri="{FF2B5EF4-FFF2-40B4-BE49-F238E27FC236}">
+                <a16:creationId xmlns:a16="http://schemas.microsoft.com/office/drawing/2014/main" id="{6A74116E-76F6-4C67-875E-E127DEC53AF5}"/>
+              </a:ext>
+            </a:extLst>
+          </p:cNvPr>
+          <p:cNvSpPr txBox="1">
+            <a:spLocks/>
+          </p:cNvSpPr>
+          <p:nvPr/>
+        </p:nvSpPr>
+        <p:spPr>
+          <a:xfrm>
+            <a:off x="990600" y="517525"/>
+            <a:ext cx="10515600" cy="1325563"/>
+          </a:xfrm>
+          <a:prstGeom prst="rect">
+            <a:avLst/>
+          </a:prstGeom>
+        </p:spPr>
+        <p:txBody>
+          <a:bodyPr vert="horz" lIns="91440" tIns="45720" rIns="91440" bIns="45720" rtlCol="0" anchor="ctr">
+            <a:normAutofit/>
+          </a:bodyPr>
+          <a:lstStyle>
+            <a:lvl1pPr algn="l" defTabSz="914400" rtl="0" eaLnBrk="1" latinLnBrk="0" hangingPunct="1">
+              <a:lnSpc>
+                <a:spcPct val="90000"/>
+              </a:lnSpc>
+              <a:spcBef>
+                <a:spcPct val="0"/>
+              </a:spcBef>
+              <a:buNone/>
+              <a:defRPr sz="4400" kern="1200">
+                <a:solidFill>
+                  <a:schemeClr val="tx1"/>
+                </a:solidFill>
+                <a:latin typeface="+mj-lt"/>
+                <a:ea typeface="+mj-ea"/>
+                <a:cs typeface="+mj-cs"/>
+              </a:defRPr>
+            </a:lvl1pPr>
+          </a:lstStyle>
+          <a:p>
+            <a:r>
+              <a:rPr lang="en-US" sz="3200" u="sng" dirty="0" err="1">
+                <a:latin typeface="+mn-lt"/>
+              </a:rPr>
+              <a:t>veu</a:t>
+            </a:r>
+            <a:r>
+              <a:rPr lang="en-US" sz="3200" dirty="0">
+                <a:latin typeface="+mn-lt"/>
+              </a:rPr>
+              <a:t>:</a:t>
+            </a:r>
+            <a:endParaRPr lang="LID4096" sz="3200" dirty="0">
+              <a:latin typeface="+mn-lt"/>
+            </a:endParaRPr>
+          </a:p>
+        </p:txBody>
+      </p:sp>
+      <p:sp>
+        <p:nvSpPr>
+          <p:cNvPr id="9" name="Content Placeholder 2">
+            <a:extLst>
+              <a:ext uri="{FF2B5EF4-FFF2-40B4-BE49-F238E27FC236}">
+                <a16:creationId xmlns:a16="http://schemas.microsoft.com/office/drawing/2014/main" id="{9C0EFC99-C7B2-4CF9-B2F7-133B528FEA6A}"/>
+              </a:ext>
+            </a:extLst>
+          </p:cNvPr>
+          <p:cNvSpPr txBox="1">
+            <a:spLocks/>
+          </p:cNvSpPr>
+          <p:nvPr/>
+        </p:nvSpPr>
+        <p:spPr>
+          <a:xfrm>
+            <a:off x="990600" y="1978025"/>
+            <a:ext cx="10515600" cy="4351338"/>
+          </a:xfrm>
+          <a:prstGeom prst="rect">
+            <a:avLst/>
+          </a:prstGeom>
+        </p:spPr>
+        <p:txBody>
+          <a:bodyPr vert="horz" lIns="91440" tIns="45720" rIns="91440" bIns="45720" rtlCol="0">
+            <a:normAutofit/>
+          </a:bodyPr>
+          <a:lstStyle>
+            <a:lvl1pPr marL="228600" indent="-228600" algn="l" defTabSz="914400" rtl="0" eaLnBrk="1" latinLnBrk="0" hangingPunct="1">
+              <a:lnSpc>
+                <a:spcPct val="90000"/>
+              </a:lnSpc>
+              <a:spcBef>
+                <a:spcPts val="1000"/>
+              </a:spcBef>
+              <a:buFont typeface="Arial" panose="020B0604020202020204" pitchFamily="34" charset="0"/>
+              <a:buChar char="•"/>
+              <a:defRPr sz="2800" kern="1200">
+                <a:solidFill>
+                  <a:schemeClr val="tx1"/>
+                </a:solidFill>
+                <a:latin typeface="+mn-lt"/>
+                <a:ea typeface="+mn-ea"/>
+                <a:cs typeface="+mn-cs"/>
+              </a:defRPr>
+            </a:lvl1pPr>
+            <a:lvl2pPr marL="685800" indent="-228600" algn="l" defTabSz="914400" rtl="0" eaLnBrk="1" latinLnBrk="0" hangingPunct="1">
+              <a:lnSpc>
+                <a:spcPct val="90000"/>
+              </a:lnSpc>
+              <a:spcBef>
+                <a:spcPts val="500"/>
+              </a:spcBef>
+              <a:buFont typeface="Arial" panose="020B0604020202020204" pitchFamily="34" charset="0"/>
+              <a:buChar char="•"/>
+              <a:defRPr sz="2400" kern="1200">
+                <a:solidFill>
+                  <a:schemeClr val="tx1"/>
+                </a:solidFill>
+                <a:latin typeface="+mn-lt"/>
+                <a:ea typeface="+mn-ea"/>
+                <a:cs typeface="+mn-cs"/>
+              </a:defRPr>
+            </a:lvl2pPr>
+            <a:lvl3pPr marL="1143000" indent="-228600" algn="l" defTabSz="914400" rtl="0" eaLnBrk="1" latinLnBrk="0" hangingPunct="1">
+              <a:lnSpc>
+                <a:spcPct val="90000"/>
+              </a:lnSpc>
+              <a:spcBef>
+                <a:spcPts val="500"/>
+              </a:spcBef>
+              <a:buFont typeface="Arial" panose="020B0604020202020204" pitchFamily="34" charset="0"/>
+              <a:buChar char="•"/>
+              <a:defRPr sz="2000" kern="1200">
+                <a:solidFill>
+                  <a:schemeClr val="tx1"/>
+                </a:solidFill>
+                <a:latin typeface="+mn-lt"/>
+                <a:ea typeface="+mn-ea"/>
+                <a:cs typeface="+mn-cs"/>
+              </a:defRPr>
+            </a:lvl3pPr>
+            <a:lvl4pPr marL="1600200" indent="-228600" algn="l" defTabSz="914400" rtl="0" eaLnBrk="1" latinLnBrk="0" hangingPunct="1">
+              <a:lnSpc>
+                <a:spcPct val="90000"/>
+              </a:lnSpc>
+              <a:spcBef>
+                <a:spcPts val="500"/>
+              </a:spcBef>
+              <a:buFont typeface="Arial" panose="020B0604020202020204" pitchFamily="34" charset="0"/>
+              <a:buChar char="•"/>
+              <a:defRPr sz="1800" kern="1200">
+                <a:solidFill>
+                  <a:schemeClr val="tx1"/>
+                </a:solidFill>
+                <a:latin typeface="+mn-lt"/>
+                <a:ea typeface="+mn-ea"/>
+                <a:cs typeface="+mn-cs"/>
+              </a:defRPr>
+            </a:lvl4pPr>
+            <a:lvl5pPr marL="2057400" indent="-228600" algn="l" defTabSz="914400" rtl="0" eaLnBrk="1" latinLnBrk="0" hangingPunct="1">
+              <a:lnSpc>
+                <a:spcPct val="90000"/>
+              </a:lnSpc>
+              <a:spcBef>
+                <a:spcPts val="500"/>
+              </a:spcBef>
+              <a:buFont typeface="Arial" panose="020B0604020202020204" pitchFamily="34" charset="0"/>
+              <a:buChar char="•"/>
+              <a:defRPr sz="1800" kern="1200">
+                <a:solidFill>
+                  <a:schemeClr val="tx1"/>
+                </a:solidFill>
+                <a:latin typeface="+mn-lt"/>
+                <a:ea typeface="+mn-ea"/>
+                <a:cs typeface="+mn-cs"/>
+              </a:defRPr>
+            </a:lvl5pPr>
+            <a:lvl6pPr marL="2514600" indent="-228600" algn="l" defTabSz="914400" rtl="0" eaLnBrk="1" latinLnBrk="0" hangingPunct="1">
+              <a:lnSpc>
+                <a:spcPct val="90000"/>
+              </a:lnSpc>
+              <a:spcBef>
+                <a:spcPts val="500"/>
+              </a:spcBef>
+              <a:buFont typeface="Arial" panose="020B0604020202020204" pitchFamily="34" charset="0"/>
+              <a:buChar char="•"/>
+              <a:defRPr sz="1800" kern="1200">
+                <a:solidFill>
+                  <a:schemeClr val="tx1"/>
+                </a:solidFill>
+                <a:latin typeface="+mn-lt"/>
+                <a:ea typeface="+mn-ea"/>
+                <a:cs typeface="+mn-cs"/>
+              </a:defRPr>
+            </a:lvl6pPr>
+            <a:lvl7pPr marL="2971800" indent="-228600" algn="l" defTabSz="914400" rtl="0" eaLnBrk="1" latinLnBrk="0" hangingPunct="1">
+              <a:lnSpc>
+                <a:spcPct val="90000"/>
+              </a:lnSpc>
+              <a:spcBef>
+                <a:spcPts val="500"/>
+              </a:spcBef>
+              <a:buFont typeface="Arial" panose="020B0604020202020204" pitchFamily="34" charset="0"/>
+              <a:buChar char="•"/>
+              <a:defRPr sz="1800" kern="1200">
+                <a:solidFill>
+                  <a:schemeClr val="tx1"/>
+                </a:solidFill>
+                <a:latin typeface="+mn-lt"/>
+                <a:ea typeface="+mn-ea"/>
+                <a:cs typeface="+mn-cs"/>
+              </a:defRPr>
+            </a:lvl7pPr>
+            <a:lvl8pPr marL="3429000" indent="-228600" algn="l" defTabSz="914400" rtl="0" eaLnBrk="1" latinLnBrk="0" hangingPunct="1">
+              <a:lnSpc>
+                <a:spcPct val="90000"/>
+              </a:lnSpc>
+              <a:spcBef>
+                <a:spcPts val="500"/>
+              </a:spcBef>
+              <a:buFont typeface="Arial" panose="020B0604020202020204" pitchFamily="34" charset="0"/>
+              <a:buChar char="•"/>
+              <a:defRPr sz="1800" kern="1200">
+                <a:solidFill>
+                  <a:schemeClr val="tx1"/>
+                </a:solidFill>
+                <a:latin typeface="+mn-lt"/>
+                <a:ea typeface="+mn-ea"/>
+                <a:cs typeface="+mn-cs"/>
+              </a:defRPr>
+            </a:lvl8pPr>
+            <a:lvl9pPr marL="3886200" indent="-228600" algn="l" defTabSz="914400" rtl="0" eaLnBrk="1" latinLnBrk="0" hangingPunct="1">
+              <a:lnSpc>
+                <a:spcPct val="90000"/>
+              </a:lnSpc>
+              <a:spcBef>
+                <a:spcPts val="500"/>
+              </a:spcBef>
+              <a:buFont typeface="Arial" panose="020B0604020202020204" pitchFamily="34" charset="0"/>
+              <a:buChar char="•"/>
+              <a:defRPr sz="1800" kern="1200">
+                <a:solidFill>
+                  <a:schemeClr val="tx1"/>
+                </a:solidFill>
+                <a:latin typeface="+mn-lt"/>
+                <a:ea typeface="+mn-ea"/>
+                <a:cs typeface="+mn-cs"/>
+              </a:defRPr>
+            </a:lvl9pPr>
+          </a:lstStyle>
+          <a:p>
+            <a:r>
+              <a:rPr lang="en-US" sz="1400" b="0" i="0" dirty="0">
+                <a:solidFill>
+                  <a:srgbClr val="222222"/>
+                </a:solidFill>
+                <a:effectLst/>
+                <a:latin typeface="Verdana" panose="020B0604030504040204" pitchFamily="34" charset="0"/>
+              </a:rPr>
+              <a:t>Framework</a:t>
+            </a:r>
+          </a:p>
+          <a:p>
+            <a:r>
+              <a:rPr lang="en-US" sz="1400" b="0" i="0" dirty="0">
+                <a:solidFill>
+                  <a:srgbClr val="222222"/>
+                </a:solidFill>
+                <a:effectLst/>
+                <a:latin typeface="Verdana" panose="020B0604030504040204" pitchFamily="34" charset="0"/>
+              </a:rPr>
+              <a:t>Vue.js 3.0 is being re-written from the ground up for a cleaner and more maintainable architecture</a:t>
+            </a:r>
+          </a:p>
+          <a:p>
+            <a:r>
+              <a:rPr lang="en-US" sz="1400" dirty="0">
+                <a:solidFill>
+                  <a:srgbClr val="222222"/>
+                </a:solidFill>
+                <a:latin typeface="Verdana" panose="020B0604030504040204" pitchFamily="34" charset="0"/>
+              </a:rPr>
+              <a:t>internal functionalities divided to individual packages </a:t>
+            </a:r>
+            <a:r>
+              <a:rPr lang="en-US" sz="1400" dirty="0" err="1">
+                <a:solidFill>
+                  <a:srgbClr val="222222"/>
+                </a:solidFill>
+                <a:latin typeface="Verdana" panose="020B0604030504040204" pitchFamily="34" charset="0"/>
+              </a:rPr>
+              <a:t>e.g</a:t>
+            </a:r>
+            <a:r>
+              <a:rPr lang="en-US" sz="1400" dirty="0">
+                <a:solidFill>
+                  <a:srgbClr val="222222"/>
+                </a:solidFill>
+                <a:latin typeface="Verdana" panose="020B0604030504040204" pitchFamily="34" charset="0"/>
+              </a:rPr>
+              <a:t> the observer module will be converted to its own package</a:t>
+            </a:r>
+          </a:p>
+          <a:p>
+            <a:pPr marL="0" indent="0">
+              <a:buNone/>
+            </a:pPr>
+            <a:endParaRPr lang="en-US" sz="1400" dirty="0">
+              <a:solidFill>
+                <a:srgbClr val="222222"/>
+              </a:solidFill>
+              <a:latin typeface="Verdana" panose="020B0604030504040204" pitchFamily="34" charset="0"/>
+            </a:endParaRPr>
+          </a:p>
+        </p:txBody>
+      </p:sp>
+      <p:pic>
+        <p:nvPicPr>
+          <p:cNvPr id="2" name="Picture 1" descr="A close up of a sign&#10;&#10;Description automatically generated">
+            <a:extLst>
+              <a:ext uri="{FF2B5EF4-FFF2-40B4-BE49-F238E27FC236}">
+                <a16:creationId xmlns:a16="http://schemas.microsoft.com/office/drawing/2014/main" id="{C8E0ECB9-07EB-4AD6-8D83-C5B774612DDF}"/>
+              </a:ext>
+            </a:extLst>
+          </p:cNvPr>
+          <p:cNvPicPr>
+            <a:picLocks noChangeAspect="1"/>
+          </p:cNvPicPr>
+          <p:nvPr/>
+        </p:nvPicPr>
+        <p:blipFill>
+          <a:blip r:embed="rId2">
+            <a:extLst>
+              <a:ext uri="{28A0092B-C50C-407E-A947-70E740481C1C}">
+                <a14:useLocalDpi xmlns:a14="http://schemas.microsoft.com/office/drawing/2010/main" val="0"/>
+              </a:ext>
+            </a:extLst>
+          </a:blip>
+          <a:stretch>
+            <a:fillRect/>
+          </a:stretch>
+        </p:blipFill>
+        <p:spPr>
+          <a:xfrm>
+            <a:off x="9924484" y="517525"/>
+            <a:ext cx="1867466" cy="1618260"/>
+          </a:xfrm>
+          <a:prstGeom prst="rect">
+            <a:avLst/>
+          </a:prstGeom>
+        </p:spPr>
+      </p:pic>
+    </p:spTree>
+    <p:extLst>
+      <p:ext uri="{BB962C8B-B14F-4D97-AF65-F5344CB8AC3E}">
+        <p14:creationId xmlns:p14="http://schemas.microsoft.com/office/powerpoint/2010/main" val="2536772163"/>
+      </p:ext>
+    </p:extLst>
+  </p:cSld>
+  <p:clrMapOvr>
+    <a:masterClrMapping/>
+  </p:clrMapOvr>
+</p:sld>
+</file>
+
+<file path=ppt/slides/slide13.xml><?xml version="1.0" encoding="utf-8"?>
 <p:sld xmlns:a="http://schemas.openxmlformats.org/drawingml/2006/main" xmlns:r="http://schemas.openxmlformats.org/officeDocument/2006/relationships" xmlns:p="http://schemas.openxmlformats.org/presentationml/2006/main">
   <p:cSld>
     <p:spTree>
@@ -5230,9 +5864,39 @@
               </a:spcBef>
             </a:pPr>
             <a:r>
-              <a:rPr lang="en-US" sz="2000" dirty="0"/>
+              <a:rPr lang="en-US" sz="2000" dirty="0">
+                <a:hlinkClick r:id="rId6"/>
+              </a:rPr>
               <a:t>https://kruschecompany.com/angular-vs-react-vs-vue-1/</a:t>
             </a:r>
+            <a:endParaRPr lang="en-US" sz="2000" dirty="0"/>
+          </a:p>
+          <a:p>
+            <a:pPr marL="637200" lvl="1">
+              <a:lnSpc>
+                <a:spcPct val="150000"/>
+              </a:lnSpc>
+              <a:spcBef>
+                <a:spcPts val="0"/>
+              </a:spcBef>
+            </a:pPr>
+            <a:r>
+              <a:rPr lang="en-US" sz="2000" dirty="0">
+                <a:hlinkClick r:id="rId7"/>
+              </a:rPr>
+              <a:t>https://clockwise.software/blog/best-angular-applications/</a:t>
+            </a:r>
+            <a:endParaRPr lang="en-US" sz="2000" dirty="0"/>
+          </a:p>
+          <a:p>
+            <a:pPr marL="637200" lvl="1">
+              <a:lnSpc>
+                <a:spcPct val="150000"/>
+              </a:lnSpc>
+              <a:spcBef>
+                <a:spcPts val="0"/>
+              </a:spcBef>
+            </a:pPr>
             <a:endParaRPr lang="LID4096" sz="2000" dirty="0"/>
           </a:p>
         </p:txBody>
@@ -5250,7 +5914,7 @@
 </p:sld>
 </file>
 
-<file path=ppt/slides/slide12.xml><?xml version="1.0" encoding="utf-8"?>
+<file path=ppt/slides/slide14.xml><?xml version="1.0" encoding="utf-8"?>
 <p:sld xmlns:a="http://schemas.openxmlformats.org/drawingml/2006/main" xmlns:r="http://schemas.openxmlformats.org/officeDocument/2006/relationships" xmlns:p="http://schemas.openxmlformats.org/presentationml/2006/main" show="0">
   <p:cSld>
     <p:spTree>
@@ -7550,7 +8214,7 @@
         </p:nvSpPr>
         <p:spPr>
           <a:xfrm>
-            <a:off x="838200" y="2021249"/>
+            <a:off x="838200" y="1421176"/>
             <a:ext cx="5707565" cy="4155713"/>
           </a:xfrm>
           <a:prstGeom prst="rect">
@@ -7563,7 +8227,61 @@
           </a:bodyPr>
           <a:lstStyle/>
           <a:p>
-            <a:pPr indent="-228600">
+            <a:pPr>
+              <a:lnSpc>
+                <a:spcPct val="90000"/>
+              </a:lnSpc>
+              <a:spcAft>
+                <a:spcPts val="600"/>
+              </a:spcAft>
+            </a:pPr>
+            <a:r>
+              <a:rPr lang="en-US" sz="1600" u="sng" dirty="0">
+                <a:solidFill>
+                  <a:schemeClr val="bg1"/>
+                </a:solidFill>
+              </a:rPr>
+              <a:t>Background</a:t>
+            </a:r>
+            <a:r>
+              <a:rPr lang="en-US" sz="1600" dirty="0">
+                <a:solidFill>
+                  <a:schemeClr val="bg1"/>
+                </a:solidFill>
+              </a:rPr>
+              <a:t> :	</a:t>
+            </a:r>
+          </a:p>
+          <a:p>
+            <a:pPr marL="685800" lvl="2">
+              <a:lnSpc>
+                <a:spcPct val="90000"/>
+              </a:lnSpc>
+              <a:spcAft>
+                <a:spcPts val="600"/>
+              </a:spcAft>
+            </a:pPr>
+            <a:r>
+              <a:rPr lang="en-US" sz="1400" b="1" i="0" dirty="0">
+                <a:solidFill>
+                  <a:schemeClr val="bg1"/>
+                </a:solidFill>
+                <a:effectLst/>
+              </a:rPr>
+              <a:t>React</a:t>
+            </a:r>
+            <a:r>
+              <a:rPr lang="en-US" sz="1600" b="0" i="0" dirty="0">
+                <a:solidFill>
+                  <a:schemeClr val="bg1"/>
+                </a:solidFill>
+                <a:effectLst/>
+              </a:rPr>
+              <a:t> </a:t>
+            </a:r>
+          </a:p>
+          <a:p>
+            <a:pPr lvl="2" indent="-228600">
               <a:lnSpc>
                 <a:spcPct val="90000"/>
               </a:lnSpc>
@@ -7574,16 +8292,35 @@
               <a:buChar char="•"/>
             </a:pPr>
             <a:r>
-              <a:rPr lang="en-US" sz="1600" dirty="0">
+              <a:rPr lang="en-US" sz="1200" b="0" i="0" dirty="0">
                 <a:solidFill>
                   <a:schemeClr val="bg1"/>
                 </a:solidFill>
+                <a:effectLst/>
               </a:rPr>
-              <a:t>Background :	</a:t>
-            </a:r>
-          </a:p>
-          <a:p>
-            <a:pPr lvl="1" indent="-228600">
+              <a:t>was created by Jordan </a:t>
+            </a:r>
+            <a:r>
+              <a:rPr lang="en-US" sz="1200" b="0" i="0" dirty="0" err="1">
+                <a:solidFill>
+                  <a:schemeClr val="bg1"/>
+                </a:solidFill>
+                <a:effectLst/>
+              </a:rPr>
+              <a:t>Walke</a:t>
+            </a:r>
+            <a:r>
+              <a:rPr lang="en-US" sz="1200" b="0" i="0" dirty="0">
+                <a:solidFill>
+                  <a:schemeClr val="bg1"/>
+                </a:solidFill>
+                <a:effectLst/>
+              </a:rPr>
+              <a:t> in 2011 and Open sourced it in May 2013</a:t>
+            </a:r>
+          </a:p>
+          <a:p>
+            <a:pPr lvl="2" indent="-228600">
               <a:lnSpc>
                 <a:spcPct val="90000"/>
               </a:lnSpc>
@@ -7594,35 +8331,17 @@
               <a:buChar char="•"/>
             </a:pPr>
             <a:r>
-              <a:rPr lang="en-US" sz="1600" b="0" i="0" dirty="0">
+              <a:rPr lang="en-US" sz="1200" b="0" i="0" dirty="0">
                 <a:solidFill>
                   <a:schemeClr val="bg1"/>
                 </a:solidFill>
                 <a:effectLst/>
               </a:rPr>
-              <a:t>React was created by Jordan </a:t>
-            </a:r>
-            <a:r>
-              <a:rPr lang="en-US" sz="1600" b="0" i="0" dirty="0" err="1">
-                <a:solidFill>
-                  <a:schemeClr val="bg1"/>
-                </a:solidFill>
-                <a:effectLst/>
-              </a:rPr>
-              <a:t>Walke</a:t>
-            </a:r>
-            <a:r>
-              <a:rPr lang="en-US" sz="1600" b="0" i="0" dirty="0">
-                <a:solidFill>
-                  <a:schemeClr val="bg1"/>
-                </a:solidFill>
-                <a:effectLst/>
-              </a:rPr>
-              <a:t> in 2011 and Open sourced it in May 2013</a:t>
-            </a:r>
-          </a:p>
-          <a:p>
-            <a:pPr lvl="1" indent="-228600">
+              <a:t>Facebook and Instagram released React 16.0 on September 2017</a:t>
+            </a:r>
+          </a:p>
+          <a:p>
+            <a:pPr lvl="2" indent="-228600">
               <a:lnSpc>
                 <a:spcPct val="90000"/>
               </a:lnSpc>
@@ -7633,17 +8352,59 @@
               <a:buChar char="•"/>
             </a:pPr>
             <a:r>
-              <a:rPr lang="en-US" sz="1600" b="0" i="0" dirty="0">
+              <a:rPr lang="en-US" sz="1200" b="0" i="0" dirty="0">
                 <a:solidFill>
                   <a:schemeClr val="bg1"/>
                 </a:solidFill>
                 <a:effectLst/>
               </a:rPr>
-              <a:t>Facebook and Instagram released React 16.0 on September 2017</a:t>
-            </a:r>
-          </a:p>
-          <a:p>
-            <a:pPr lvl="1" indent="-228600">
+              <a:t>The latest version React Fiber was released with React 16 in September 2017. React Fiber is an ongoing implementation of </a:t>
+            </a:r>
+            <a:r>
+              <a:rPr lang="en-US" sz="1200" b="0" i="0" dirty="0" err="1">
+                <a:solidFill>
+                  <a:schemeClr val="bg1"/>
+                </a:solidFill>
+                <a:effectLst/>
+              </a:rPr>
+              <a:t>Reac'ts</a:t>
+            </a:r>
+            <a:r>
+              <a:rPr lang="en-US" sz="1200" b="0" i="0" dirty="0">
+                <a:solidFill>
+                  <a:schemeClr val="bg1"/>
+                </a:solidFill>
+                <a:effectLst/>
+              </a:rPr>
+              <a:t> Core Algorithm.</a:t>
+            </a:r>
+          </a:p>
+          <a:p>
+            <a:pPr marL="685800" lvl="2">
+              <a:lnSpc>
+                <a:spcPct val="90000"/>
+              </a:lnSpc>
+              <a:spcAft>
+                <a:spcPts val="600"/>
+              </a:spcAft>
+            </a:pPr>
+            <a:r>
+              <a:rPr lang="en-US" sz="1400" b="1" i="0" dirty="0">
+                <a:solidFill>
+                  <a:schemeClr val="bg1"/>
+                </a:solidFill>
+                <a:effectLst/>
+              </a:rPr>
+              <a:t>Angular</a:t>
+            </a:r>
+            <a:endParaRPr lang="en-US" sz="1600" b="1" dirty="0">
+              <a:solidFill>
+                <a:schemeClr val="bg1"/>
+              </a:solidFill>
+            </a:endParaRPr>
+          </a:p>
+          <a:p>
+            <a:pPr lvl="2" indent="-228600">
               <a:lnSpc>
                 <a:spcPct val="90000"/>
               </a:lnSpc>
@@ -7654,35 +8415,17 @@
               <a:buChar char="•"/>
             </a:pPr>
             <a:r>
-              <a:rPr lang="en-US" sz="1600" b="0" i="0" dirty="0">
+              <a:rPr lang="en-US" sz="1200" b="0" i="0" dirty="0">
                 <a:solidFill>
                   <a:schemeClr val="bg1"/>
                 </a:solidFill>
                 <a:effectLst/>
               </a:rPr>
-              <a:t>The latest version React Fiber was released with React 16 in September 2017. React Fiber is an ongoing implementation of </a:t>
-            </a:r>
-            <a:r>
-              <a:rPr lang="en-US" sz="1600" b="0" i="0" dirty="0" err="1">
-                <a:solidFill>
-                  <a:schemeClr val="bg1"/>
-                </a:solidFill>
-                <a:effectLst/>
-              </a:rPr>
-              <a:t>Reac'ts</a:t>
-            </a:r>
-            <a:r>
-              <a:rPr lang="en-US" sz="1600" b="0" i="0" dirty="0">
-                <a:solidFill>
-                  <a:schemeClr val="bg1"/>
-                </a:solidFill>
-                <a:effectLst/>
-              </a:rPr>
-              <a:t> Core Algorithm.</a:t>
-            </a:r>
-          </a:p>
-          <a:p>
-            <a:pPr lvl="1" indent="-228600">
+              <a:t>AngularJS was released in 2010 by Google.</a:t>
+            </a:r>
+          </a:p>
+          <a:p>
+            <a:pPr lvl="2" indent="-228600">
               <a:lnSpc>
                 <a:spcPct val="90000"/>
               </a:lnSpc>
@@ -7692,14 +8435,37 @@
               <a:buFont typeface="Arial" panose="020B0604020202020204" pitchFamily="34" charset="0"/>
               <a:buChar char="•"/>
             </a:pPr>
-            <a:endParaRPr lang="en-US" sz="1600" dirty="0">
-              <a:solidFill>
-                <a:schemeClr val="bg1"/>
-              </a:solidFill>
-            </a:endParaRPr>
-          </a:p>
-          <a:p>
-            <a:pPr indent="-228600">
+            <a:r>
+              <a:rPr lang="en-US" sz="1200" b="0" i="0" dirty="0">
+                <a:solidFill>
+                  <a:schemeClr val="bg1"/>
+                </a:solidFill>
+                <a:effectLst/>
+              </a:rPr>
+              <a:t>2.0 version which also called Angular 2 or just Angular was</a:t>
+            </a:r>
+          </a:p>
+          <a:p>
+            <a:pPr lvl="2">
+              <a:lnSpc>
+                <a:spcPct val="90000"/>
+              </a:lnSpc>
+              <a:spcAft>
+                <a:spcPts val="600"/>
+              </a:spcAft>
+            </a:pPr>
+            <a:r>
+              <a:rPr lang="en-US" sz="1200" b="0" i="0" dirty="0">
+                <a:solidFill>
+                  <a:schemeClr val="bg1"/>
+                </a:solidFill>
+                <a:effectLst/>
+              </a:rPr>
+              <a:t>released in September 2016</a:t>
+            </a:r>
+          </a:p>
+          <a:p>
+            <a:pPr lvl="2" indent="-228600">
               <a:lnSpc>
                 <a:spcPct val="90000"/>
               </a:lnSpc>
@@ -7710,17 +8476,47 @@
               <a:buChar char="•"/>
             </a:pPr>
             <a:r>
-              <a:rPr lang="en-US" sz="1600" b="0" i="0" dirty="0">
+              <a:rPr lang="en-US" sz="1200" dirty="0">
                 <a:solidFill>
                   <a:schemeClr val="bg1"/>
                 </a:solidFill>
+              </a:rPr>
+              <a:t>The latest version Angular 10 released on June 2020</a:t>
+            </a:r>
+            <a:endParaRPr lang="en-US" sz="1200" b="0" i="0" dirty="0">
+              <a:solidFill>
+                <a:schemeClr val="bg1"/>
+              </a:solidFill>
+              <a:effectLst/>
+            </a:endParaRPr>
+          </a:p>
+          <a:p>
+            <a:pPr marL="685800" lvl="2">
+              <a:lnSpc>
+                <a:spcPct val="90000"/>
+              </a:lnSpc>
+              <a:spcAft>
+                <a:spcPts val="600"/>
+              </a:spcAft>
+            </a:pPr>
+            <a:r>
+              <a:rPr lang="en-US" sz="1400" b="1" i="0" dirty="0" err="1">
+                <a:solidFill>
+                  <a:srgbClr val="444444"/>
+                </a:solidFill>
                 <a:effectLst/>
+                <a:latin typeface="proxima-nova"/>
               </a:rPr>
-              <a:t>AngularJS was released in 2010 by Google.</a:t>
-            </a:r>
-          </a:p>
-          <a:p>
-            <a:pPr indent="-228600">
+              <a:t>Veu</a:t>
+            </a:r>
+            <a:endParaRPr lang="en-US" sz="1600" b="1" dirty="0">
+              <a:solidFill>
+                <a:schemeClr val="bg1"/>
+              </a:solidFill>
+            </a:endParaRPr>
+          </a:p>
+          <a:p>
+            <a:pPr lvl="2" indent="-228600">
               <a:lnSpc>
                 <a:spcPct val="90000"/>
               </a:lnSpc>
@@ -7731,17 +8527,18 @@
               <a:buChar char="•"/>
             </a:pPr>
             <a:r>
-              <a:rPr lang="en-US" sz="1600" b="0" i="0" dirty="0">
+              <a:rPr lang="en-US" sz="1200" b="0" i="0" dirty="0">
                 <a:solidFill>
-                  <a:schemeClr val="bg1"/>
+                  <a:srgbClr val="444444"/>
                 </a:solidFill>
                 <a:effectLst/>
+                <a:latin typeface="proxima-nova"/>
               </a:rPr>
-              <a:t>2.0 version which also called Angular 2 or just Angular was released in September 2016</a:t>
-            </a:r>
-          </a:p>
-          <a:p>
-            <a:pPr indent="-228600">
+              <a:t>by ex-Google employee Evan You in 2014</a:t>
+            </a:r>
+          </a:p>
+          <a:p>
+            <a:pPr lvl="2" indent="-228600">
               <a:lnSpc>
                 <a:spcPct val="90000"/>
               </a:lnSpc>
@@ -7752,17 +8549,18 @@
               <a:buChar char="•"/>
             </a:pPr>
             <a:r>
-              <a:rPr lang="en-US" sz="1600" b="0" i="0" dirty="0">
+              <a:rPr lang="en-US" sz="1200" b="0" i="0" dirty="0">
                 <a:solidFill>
-                  <a:schemeClr val="bg1"/>
+                  <a:srgbClr val="444444"/>
                 </a:solidFill>
                 <a:effectLst/>
+                <a:latin typeface="proxima-nova"/>
               </a:rPr>
-              <a:t>4.0 version was released in March 2017</a:t>
-            </a:r>
-          </a:p>
-          <a:p>
-            <a:pPr indent="-228600">
+              <a:t>The current stable version is 2.6</a:t>
+            </a:r>
+          </a:p>
+          <a:p>
+            <a:pPr lvl="2" indent="-228600">
               <a:lnSpc>
                 <a:spcPct val="90000"/>
               </a:lnSpc>
@@ -7773,53 +8571,58 @@
               <a:buChar char="•"/>
             </a:pPr>
             <a:r>
-              <a:rPr lang="en-US" sz="1600" b="0" i="0" dirty="0">
+              <a:rPr lang="en-US" sz="1200" b="0" i="0" dirty="0">
                 <a:solidFill>
-                  <a:schemeClr val="bg1"/>
+                  <a:srgbClr val="444444"/>
                 </a:solidFill>
                 <a:effectLst/>
+                <a:latin typeface="proxima-nova"/>
               </a:rPr>
-              <a:t>5.0 version was released in Nov 2017</a:t>
-            </a:r>
-          </a:p>
-          <a:p>
-            <a:pPr indent="-228600">
-              <a:lnSpc>
-                <a:spcPct val="90000"/>
-              </a:lnSpc>
-              <a:spcAft>
-                <a:spcPts val="600"/>
-              </a:spcAft>
-              <a:buFont typeface="Arial" panose="020B0604020202020204" pitchFamily="34" charset="0"/>
-              <a:buChar char="•"/>
-            </a:pPr>
-            <a:r>
-              <a:rPr lang="en-US" sz="1600" dirty="0">
+              <a:t> Vue 3, </a:t>
+            </a:r>
+            <a:r>
+              <a:rPr lang="en-US" sz="1200" b="0" i="0" u="none" strike="noStrike" dirty="0">
                 <a:solidFill>
-                  <a:schemeClr val="bg1"/>
+                  <a:srgbClr val="EC4646"/>
                 </a:solidFill>
+                <a:effectLst/>
+                <a:latin typeface="proxima-nova"/>
+                <a:hlinkClick r:id="rId2"/>
               </a:rPr>
-              <a:t>Today there is version 10</a:t>
-            </a:r>
-            <a:endParaRPr lang="en-US" sz="1600" b="0" i="0" dirty="0">
-              <a:solidFill>
-                <a:schemeClr val="bg1"/>
-              </a:solidFill>
-              <a:effectLst/>
-            </a:endParaRPr>
-          </a:p>
-          <a:p>
-            <a:pPr indent="-228600">
-              <a:lnSpc>
-                <a:spcPct val="90000"/>
-              </a:lnSpc>
-              <a:spcAft>
-                <a:spcPts val="600"/>
-              </a:spcAft>
-              <a:buFont typeface="Arial" panose="020B0604020202020204" pitchFamily="34" charset="0"/>
-              <a:buChar char="•"/>
-            </a:pPr>
-            <a:endParaRPr lang="en-US" sz="1600" dirty="0">
+              <a:t>currently in the alpha phase</a:t>
+            </a:r>
+            <a:r>
+              <a:rPr lang="en-US" sz="1200" b="0" i="0" dirty="0">
+                <a:solidFill>
+                  <a:srgbClr val="444444"/>
+                </a:solidFill>
+                <a:effectLst/>
+                <a:latin typeface="proxima-nova"/>
+              </a:rPr>
+              <a:t>, is planning to </a:t>
+            </a:r>
+            <a:r>
+              <a:rPr lang="en-US" sz="1200" b="0" i="0" u="none" strike="noStrike" dirty="0">
+                <a:solidFill>
+                  <a:srgbClr val="EC4646"/>
+                </a:solidFill>
+                <a:effectLst/>
+                <a:latin typeface="proxima-nova"/>
+                <a:hlinkClick r:id="rId3"/>
+              </a:rPr>
+              <a:t>move to TypeScript</a:t>
+            </a:r>
+            <a:r>
+              <a:rPr lang="en-US" sz="1200" b="0" i="0" dirty="0">
+                <a:solidFill>
+                  <a:srgbClr val="444444"/>
+                </a:solidFill>
+                <a:effectLst/>
+                <a:latin typeface="proxima-nova"/>
+              </a:rPr>
+              <a:t>.</a:t>
+            </a:r>
+            <a:endParaRPr lang="en-US" sz="1200" dirty="0">
               <a:solidFill>
                 <a:schemeClr val="bg1"/>
               </a:solidFill>
@@ -7876,7 +8679,7 @@
           <p:nvPr/>
         </p:nvPicPr>
         <p:blipFill>
-          <a:blip r:embed="rId2">
+          <a:blip r:embed="rId4">
             <a:extLst>
               <a:ext uri="{28A0092B-C50C-407E-A947-70E740481C1C}">
                 <a14:useLocalDpi xmlns:a14="http://schemas.microsoft.com/office/drawing/2010/main" val="0"/>
@@ -7912,7 +8715,7 @@
           <p:nvPr/>
         </p:nvPicPr>
         <p:blipFill>
-          <a:blip r:embed="rId3">
+          <a:blip r:embed="rId5">
             <a:extLst>
               <a:ext uri="{28A0092B-C50C-407E-A947-70E740481C1C}">
                 <a14:useLocalDpi xmlns:a14="http://schemas.microsoft.com/office/drawing/2010/main" val="0"/>
@@ -7948,7 +8751,7 @@
           <p:nvPr/>
         </p:nvPicPr>
         <p:blipFill>
-          <a:blip r:embed="rId4">
+          <a:blip r:embed="rId6">
             <a:extLst>
               <a:ext uri="{28A0092B-C50C-407E-A947-70E740481C1C}">
                 <a14:useLocalDpi xmlns:a14="http://schemas.microsoft.com/office/drawing/2010/main" val="0"/>
@@ -9039,13 +9842,11 @@
               <a:rPr lang="en-US" sz="3200" u="sng" dirty="0">
                 <a:latin typeface="+mn-lt"/>
               </a:rPr>
-              <a:t>Features</a:t>
-            </a:r>
-            <a:r>
-              <a:rPr lang="en-US" sz="3200" dirty="0"/>
-              <a:t>:</a:t>
-            </a:r>
-            <a:endParaRPr lang="LID4096" sz="3200" dirty="0"/>
+              <a:t>Features:</a:t>
+            </a:r>
+            <a:endParaRPr lang="LID4096" sz="3200" u="sng" dirty="0">
+              <a:latin typeface="+mn-lt"/>
+            </a:endParaRPr>
           </a:p>
         </p:txBody>
       </p:sp>
@@ -9172,14 +9973,14 @@
             <p:ph idx="1"/>
             <p:extLst>
               <p:ext uri="{D42A27DB-BD31-4B8C-83A1-F6EECF244321}">
-                <p14:modId xmlns:p14="http://schemas.microsoft.com/office/powerpoint/2010/main" val="1148892352"/>
+                <p14:modId xmlns:p14="http://schemas.microsoft.com/office/powerpoint/2010/main" val="3932230438"/>
               </p:ext>
             </p:extLst>
           </p:nvPr>
         </p:nvGraphicFramePr>
         <p:xfrm>
           <a:off x="714375" y="955695"/>
-          <a:ext cx="10911289" cy="9409746"/>
+          <a:ext cx="10911289" cy="5627428"/>
         </p:xfrm>
         <a:graphic>
           <a:graphicData uri="http://schemas.openxmlformats.org/drawingml/2006/table">
@@ -9725,9 +10526,145 @@
                     <a:bodyPr/>
                     <a:lstStyle/>
                     <a:p>
-                      <a:pPr algn="ctr"/>
-                      <a:endParaRPr lang="LID4096" sz="1800" dirty="0">
+                      <a:pPr marL="285750" marR="0" lvl="0" indent="-285750" algn="l" defTabSz="914400" rtl="0" eaLnBrk="1" fontAlgn="auto" latinLnBrk="0" hangingPunct="1">
+                        <a:lnSpc>
+                          <a:spcPct val="100000"/>
+                        </a:lnSpc>
+                        <a:spcBef>
+                          <a:spcPts val="0"/>
+                        </a:spcBef>
+                        <a:spcAft>
+                          <a:spcPts val="0"/>
+                        </a:spcAft>
+                        <a:buClrTx/>
+                        <a:buSzTx/>
+                        <a:buFont typeface="Wingdings" panose="05000000000000000000" pitchFamily="2" charset="2"/>
+                        <a:buChar char="§"/>
+                        <a:tabLst/>
+                        <a:defRPr/>
+                      </a:pPr>
+                      <a:r>
+                        <a:rPr lang="en-US" sz="1800" b="0" i="0" kern="1200" dirty="0">
+                          <a:solidFill>
+                            <a:srgbClr val="222222"/>
+                          </a:solidFill>
+                          <a:effectLst/>
+                          <a:latin typeface="+mn-lt"/>
+                          <a:ea typeface="+mn-ea"/>
+                          <a:cs typeface="+mn-cs"/>
+                        </a:rPr>
+                        <a:t>Can be written in TS,JS, separate html and </a:t>
+                      </a:r>
+                      <a:r>
+                        <a:rPr lang="en-US" sz="1800" b="0" i="0" kern="1200" dirty="0" err="1">
+                          <a:solidFill>
+                            <a:srgbClr val="222222"/>
+                          </a:solidFill>
+                          <a:effectLst/>
+                          <a:latin typeface="+mn-lt"/>
+                          <a:ea typeface="+mn-ea"/>
+                          <a:cs typeface="+mn-cs"/>
+                        </a:rPr>
+                        <a:t>js</a:t>
+                      </a:r>
+                      <a:r>
+                        <a:rPr lang="en-US" sz="1800" b="0" i="0" kern="1200" dirty="0">
+                          <a:solidFill>
+                            <a:srgbClr val="222222"/>
+                          </a:solidFill>
+                          <a:effectLst/>
+                          <a:latin typeface="+mn-lt"/>
+                          <a:ea typeface="+mn-ea"/>
+                          <a:cs typeface="+mn-cs"/>
+                        </a:rPr>
+                        <a:t> pages</a:t>
+                      </a:r>
+                    </a:p>
+                    <a:p>
+                      <a:pPr marL="285750" marR="0" lvl="0" indent="-285750" algn="l" defTabSz="914400" rtl="0" eaLnBrk="1" fontAlgn="auto" latinLnBrk="0" hangingPunct="1">
+                        <a:lnSpc>
+                          <a:spcPct val="100000"/>
+                        </a:lnSpc>
+                        <a:spcBef>
+                          <a:spcPts val="0"/>
+                        </a:spcBef>
+                        <a:spcAft>
+                          <a:spcPts val="0"/>
+                        </a:spcAft>
+                        <a:buClrTx/>
+                        <a:buSzTx/>
+                        <a:buFont typeface="Wingdings" panose="05000000000000000000" pitchFamily="2" charset="2"/>
+                        <a:buChar char="§"/>
+                        <a:tabLst/>
+                        <a:defRPr/>
+                      </a:pPr>
+                      <a:r>
+                        <a:rPr lang="en-US" sz="1800" b="0" i="0" kern="1200" dirty="0">
+                          <a:solidFill>
+                            <a:srgbClr val="222222"/>
+                          </a:solidFill>
+                          <a:effectLst/>
+                          <a:latin typeface="+mn-lt"/>
+                          <a:ea typeface="+mn-ea"/>
+                          <a:cs typeface="+mn-cs"/>
+                        </a:rPr>
+                        <a:t>class-based components</a:t>
+                      </a:r>
+                    </a:p>
+                    <a:p>
+                      <a:pPr marL="0" marR="0" lvl="0" indent="0" algn="l" defTabSz="914400" rtl="0" eaLnBrk="1" fontAlgn="auto" latinLnBrk="0" hangingPunct="1">
+                        <a:lnSpc>
+                          <a:spcPct val="100000"/>
+                        </a:lnSpc>
+                        <a:spcBef>
+                          <a:spcPts val="0"/>
+                        </a:spcBef>
+                        <a:spcAft>
+                          <a:spcPts val="0"/>
+                        </a:spcAft>
+                        <a:buClrTx/>
+                        <a:buSzTx/>
+                        <a:buFont typeface="Wingdings" panose="05000000000000000000" pitchFamily="2" charset="2"/>
+                        <a:buNone/>
+                        <a:tabLst/>
+                        <a:defRPr/>
+                      </a:pPr>
+                      <a:endParaRPr lang="en-US" sz="1800" b="0" i="0" kern="1200" dirty="0">
+                        <a:solidFill>
+                          <a:srgbClr val="222222"/>
+                        </a:solidFill>
+                        <a:effectLst/>
                         <a:latin typeface="+mn-lt"/>
+                        <a:ea typeface="+mn-ea"/>
+                        <a:cs typeface="+mn-cs"/>
+                      </a:endParaRPr>
+                    </a:p>
+                    <a:p>
+                      <a:pPr marL="285750" marR="0" lvl="0" indent="-285750" algn="l" defTabSz="914400" rtl="0" eaLnBrk="1" fontAlgn="auto" latinLnBrk="0" hangingPunct="1">
+                        <a:lnSpc>
+                          <a:spcPct val="100000"/>
+                        </a:lnSpc>
+                        <a:spcBef>
+                          <a:spcPts val="0"/>
+                        </a:spcBef>
+                        <a:spcAft>
+                          <a:spcPts val="0"/>
+                        </a:spcAft>
+                        <a:buClrTx/>
+                        <a:buSzTx/>
+                        <a:buFont typeface="Wingdings" panose="05000000000000000000" pitchFamily="2" charset="2"/>
+                        <a:buChar char="§"/>
+                        <a:tabLst/>
+                        <a:defRPr/>
+                      </a:pPr>
+                      <a:endParaRPr lang="LID4096" sz="1800" b="0" i="0" kern="1200" dirty="0">
+                        <a:solidFill>
+                          <a:srgbClr val="222222"/>
+                        </a:solidFill>
+                        <a:effectLst/>
+                        <a:latin typeface="+mn-lt"/>
+                        <a:ea typeface="+mn-ea"/>
+                        <a:cs typeface="+mn-cs"/>
                       </a:endParaRPr>
                     </a:p>
                   </a:txBody>
@@ -10038,82 +10975,6 @@
                   <a:txBody>
                     <a:bodyPr/>
                     <a:lstStyle/>
-                    <a:p>
-                      <a:pPr marL="0" marR="0" lvl="0" indent="0" algn="ctr" defTabSz="914400" rtl="0" eaLnBrk="1" fontAlgn="auto" latinLnBrk="0" hangingPunct="1">
-                        <a:lnSpc>
-                          <a:spcPct val="100000"/>
-                        </a:lnSpc>
-                        <a:spcBef>
-                          <a:spcPts val="0"/>
-                        </a:spcBef>
-                        <a:spcAft>
-                          <a:spcPts val="0"/>
-                        </a:spcAft>
-                        <a:buClrTx/>
-                        <a:buSzTx/>
-                        <a:buFontTx/>
-                        <a:buNone/>
-                        <a:tabLst/>
-                        <a:defRPr/>
-                      </a:pPr>
-                      <a:r>
-                        <a:rPr lang="en-US" sz="1800" dirty="0">
-                          <a:latin typeface="+mn-lt"/>
-                        </a:rPr>
-                        <a:t>Popularity</a:t>
-                      </a:r>
-                    </a:p>
-                    <a:p>
-                      <a:pPr algn="ctr"/>
-                      <a:endParaRPr lang="LID4096" sz="1800" dirty="0">
-                        <a:latin typeface="+mn-lt"/>
-                      </a:endParaRPr>
-                    </a:p>
-                    <a:p>
-                      <a:pPr algn="ctr"/>
-                      <a:r>
-                        <a:rPr lang="en-US" sz="1800" dirty="0">
-                          <a:latin typeface="+mn-lt"/>
-                        </a:rPr>
-                        <a:t>20:00 in YouTube Depend on where you’re from</a:t>
-                      </a:r>
-                    </a:p>
-                    <a:p>
-                      <a:pPr algn="ctr"/>
-                      <a:r>
-                        <a:rPr lang="en-US" sz="1800" dirty="0">
-                          <a:latin typeface="+mn-lt"/>
-                        </a:rPr>
-                        <a:t>React most jobs angular and then </a:t>
-                      </a:r>
-                      <a:r>
-                        <a:rPr lang="en-US" sz="1800" dirty="0" err="1">
-                          <a:latin typeface="+mn-lt"/>
-                        </a:rPr>
-                        <a:t>veu</a:t>
-                      </a:r>
-                      <a:endParaRPr lang="en-US" sz="1800" dirty="0">
-                        <a:latin typeface="+mn-lt"/>
-                      </a:endParaRPr>
-                    </a:p>
-                    <a:p>
-                      <a:pPr algn="ctr"/>
-                      <a:r>
-                        <a:rPr lang="en-US" sz="1800" dirty="0">
-                          <a:latin typeface="+mn-lt"/>
-                        </a:rPr>
-                        <a:t>React very popular angular and then </a:t>
-                      </a:r>
-                      <a:r>
-                        <a:rPr lang="en-US" sz="1800" dirty="0" err="1">
-                          <a:latin typeface="+mn-lt"/>
-                        </a:rPr>
-                        <a:t>veu</a:t>
-                      </a:r>
-                      <a:endParaRPr lang="en-US" sz="1800" dirty="0">
-                        <a:latin typeface="+mn-lt"/>
-                      </a:endParaRPr>
-                    </a:p>
                     <a:p>
                       <a:pPr algn="ctr"/>
                       <a:endParaRPr lang="en-US" sz="1800" dirty="0">
@@ -10344,7 +11205,7 @@
             <p:ph idx="1"/>
             <p:extLst>
               <p:ext uri="{D42A27DB-BD31-4B8C-83A1-F6EECF244321}">
-                <p14:modId xmlns:p14="http://schemas.microsoft.com/office/powerpoint/2010/main" val="2191902831"/>
+                <p14:modId xmlns:p14="http://schemas.microsoft.com/office/powerpoint/2010/main" val="1805583054"/>
               </p:ext>
             </p:extLst>
           </p:nvPr>
@@ -10619,6 +11480,12 @@
                     <a:lstStyle/>
                     <a:p>
                       <a:pPr algn="ctr"/>
+                      <a:r>
+                        <a:rPr lang="en-US" sz="1800" dirty="0">
+                          <a:latin typeface="+mn-lt"/>
+                        </a:rPr>
+                        <a:t>You should check for updates and keep your code updated  </a:t>
+                      </a:r>
                       <a:endParaRPr lang="LID4096" sz="1800" dirty="0">
                         <a:latin typeface="+mn-lt"/>
                       </a:endParaRPr>
@@ -10632,6 +11499,21 @@
                     <a:lstStyle/>
                     <a:p>
                       <a:pPr algn="ctr"/>
+                      <a:r>
+                        <a:rPr lang="en-US" sz="1800" dirty="0">
+                          <a:latin typeface="+mn-lt"/>
+                        </a:rPr>
+                        <a:t>Its depend on your uses </a:t>
+                      </a:r>
+                    </a:p>
+                    <a:p>
+                      <a:pPr algn="ctr"/>
+                      <a:r>
+                        <a:rPr lang="en-US" sz="1800" dirty="0">
+                          <a:latin typeface="+mn-lt"/>
+                        </a:rPr>
+                        <a:t>Features like form validation should be updated manually  </a:t>
+                      </a:r>
                       <a:endParaRPr lang="LID4096" sz="1800" dirty="0">
                         <a:latin typeface="+mn-lt"/>
                       </a:endParaRPr>
@@ -11309,7 +12191,7 @@
         </p:blipFill>
         <p:spPr>
           <a:xfrm>
-            <a:off x="431800" y="641800"/>
+            <a:off x="431800" y="708907"/>
             <a:ext cx="1655476" cy="2501446"/>
           </a:xfrm>
           <a:prstGeom prst="roundRect">
@@ -11481,7 +12363,7 @@
         </p:blipFill>
         <p:spPr>
           <a:xfrm>
-            <a:off x="2241748" y="641800"/>
+            <a:off x="2241748" y="708907"/>
             <a:ext cx="1655476" cy="2501446"/>
           </a:xfrm>
           <a:prstGeom prst="roundRect">
@@ -11653,7 +12535,7 @@
         </p:blipFill>
         <p:spPr>
           <a:xfrm>
-            <a:off x="4051696" y="641798"/>
+            <a:off x="4051696" y="708905"/>
             <a:ext cx="1655477" cy="2501448"/>
           </a:xfrm>
           <a:prstGeom prst="roundRect">
@@ -11697,10 +12579,14 @@
           <a:lstStyle/>
           <a:p>
             <a:r>
-              <a:rPr lang="en-US" sz="1800" dirty="0"/>
+              <a:rPr lang="en-US" sz="3200" u="sng" dirty="0">
+                <a:latin typeface="+mn-lt"/>
+              </a:rPr>
               <a:t>Philosophies</a:t>
             </a:r>
-            <a:endParaRPr lang="LID4096" sz="1800" dirty="0"/>
+            <a:endParaRPr lang="LID4096" sz="3200" u="sng" dirty="0">
+              <a:latin typeface="+mn-lt"/>
+            </a:endParaRPr>
           </a:p>
         </p:txBody>
       </p:sp>
@@ -11730,11 +12616,23 @@
           <a:bodyPr/>
           <a:lstStyle/>
           <a:p>
-            <a:r>
-              <a:rPr lang="en-US" dirty="0"/>
+            <a:pPr marL="0" indent="0">
+              <a:spcBef>
+                <a:spcPct val="0"/>
+              </a:spcBef>
+              <a:buNone/>
+            </a:pPr>
+            <a:r>
+              <a:rPr lang="en-US" sz="3200" u="sng" dirty="0">
+                <a:ea typeface="+mj-ea"/>
+                <a:cs typeface="+mj-cs"/>
+              </a:rPr>
               <a:t>Ease of learning &amp; getting started</a:t>
             </a:r>
-            <a:endParaRPr lang="en-IL" dirty="0"/>
+            <a:endParaRPr lang="en-IL" sz="3200" u="sng" dirty="0">
+              <a:ea typeface="+mj-ea"/>
+              <a:cs typeface="+mj-cs"/>
+            </a:endParaRPr>
           </a:p>
         </p:txBody>
       </p:sp>
@@ -11800,6 +12698,402 @@
       </p:grpSpPr>
       <p:sp>
         <p:nvSpPr>
+          <p:cNvPr id="11" name="Title 1">
+            <a:extLst>
+              <a:ext uri="{FF2B5EF4-FFF2-40B4-BE49-F238E27FC236}">
+                <a16:creationId xmlns:a16="http://schemas.microsoft.com/office/drawing/2014/main" id="{6F245BB7-74FB-48DF-8FEE-DE2C0B8EF16C}"/>
+              </a:ext>
+            </a:extLst>
+          </p:cNvPr>
+          <p:cNvSpPr>
+            <a:spLocks noGrp="1"/>
+          </p:cNvSpPr>
+          <p:nvPr>
+            <p:ph type="title"/>
+          </p:nvPr>
+        </p:nvSpPr>
+        <p:spPr>
+          <a:xfrm>
+            <a:off x="431800" y="109917"/>
+            <a:ext cx="10515600" cy="890588"/>
+          </a:xfrm>
+        </p:spPr>
+        <p:txBody>
+          <a:bodyPr>
+            <a:normAutofit/>
+          </a:bodyPr>
+          <a:lstStyle/>
+          <a:p>
+            <a:r>
+              <a:rPr lang="en-US" sz="3200" u="sng" dirty="0">
+                <a:latin typeface="+mn-lt"/>
+              </a:rPr>
+              <a:t>Popularity</a:t>
+            </a:r>
+            <a:endParaRPr lang="LID4096" sz="3200" u="sng" dirty="0">
+              <a:latin typeface="+mn-lt"/>
+            </a:endParaRPr>
+          </a:p>
+        </p:txBody>
+      </p:sp>
+      <p:sp>
+        <p:nvSpPr>
+          <p:cNvPr id="3" name="Content Placeholder 2">
+            <a:extLst>
+              <a:ext uri="{FF2B5EF4-FFF2-40B4-BE49-F238E27FC236}">
+                <a16:creationId xmlns:a16="http://schemas.microsoft.com/office/drawing/2014/main" id="{A121E067-F3CC-4676-93DF-1899374A96EE}"/>
+              </a:ext>
+            </a:extLst>
+          </p:cNvPr>
+          <p:cNvSpPr>
+            <a:spLocks noGrp="1"/>
+          </p:cNvSpPr>
+          <p:nvPr>
+            <p:ph idx="1"/>
+          </p:nvPr>
+        </p:nvSpPr>
+        <p:spPr>
+          <a:xfrm>
+            <a:off x="666750" y="833665"/>
+            <a:ext cx="10515600" cy="4351338"/>
+          </a:xfrm>
+        </p:spPr>
+        <p:txBody>
+          <a:bodyPr>
+            <a:normAutofit fontScale="92500" lnSpcReduction="20000"/>
+          </a:bodyPr>
+          <a:lstStyle/>
+          <a:p>
+            <a:r>
+              <a:rPr lang="en-US" sz="1400" dirty="0">
+                <a:latin typeface="+mn-lt"/>
+              </a:rPr>
+              <a:t>Depend on where you’re from</a:t>
+            </a:r>
+          </a:p>
+          <a:p>
+            <a:r>
+              <a:rPr lang="en-US" sz="1400" dirty="0">
+                <a:latin typeface="+mn-lt"/>
+              </a:rPr>
+              <a:t>React most jobs angular and then </a:t>
+            </a:r>
+            <a:r>
+              <a:rPr lang="en-US" sz="1400" dirty="0" err="1">
+                <a:latin typeface="+mn-lt"/>
+              </a:rPr>
+              <a:t>veu</a:t>
+            </a:r>
+            <a:endParaRPr lang="en-US" sz="1400" dirty="0">
+              <a:latin typeface="+mn-lt"/>
+            </a:endParaRPr>
+          </a:p>
+          <a:p>
+            <a:r>
+              <a:rPr lang="en-US" sz="1400" dirty="0">
+                <a:latin typeface="+mn-lt"/>
+              </a:rPr>
+              <a:t>React very popular angular and then </a:t>
+            </a:r>
+            <a:r>
+              <a:rPr lang="en-US" sz="1400" dirty="0" err="1">
+                <a:latin typeface="+mn-lt"/>
+              </a:rPr>
+              <a:t>veu</a:t>
+            </a:r>
+            <a:endParaRPr lang="en-US" sz="1400" dirty="0">
+              <a:latin typeface="+mn-lt"/>
+            </a:endParaRPr>
+          </a:p>
+          <a:p>
+            <a:endParaRPr lang="en-US" sz="1400" dirty="0">
+              <a:latin typeface="+mn-lt"/>
+            </a:endParaRPr>
+          </a:p>
+          <a:p>
+            <a:r>
+              <a:rPr lang="en-US" sz="1400" dirty="0">
+                <a:latin typeface="+mn-lt"/>
+              </a:rPr>
+              <a:t>Alibaba written in </a:t>
+            </a:r>
+            <a:r>
+              <a:rPr lang="en-US" sz="1400" dirty="0" err="1">
+                <a:latin typeface="+mn-lt"/>
+              </a:rPr>
+              <a:t>veu</a:t>
+            </a:r>
+            <a:endParaRPr lang="en-US" sz="1400" dirty="0">
+              <a:latin typeface="+mn-lt"/>
+            </a:endParaRPr>
+          </a:p>
+          <a:p>
+            <a:endParaRPr lang="en-US" sz="1400" dirty="0">
+              <a:latin typeface="+mn-lt"/>
+            </a:endParaRPr>
+          </a:p>
+          <a:p>
+            <a:r>
+              <a:rPr lang="en-US" sz="1400" dirty="0"/>
+              <a:t>Facebook (some parts of its main page) - </a:t>
+            </a:r>
+            <a:r>
+              <a:rPr lang="en-US" sz="1400" dirty="0">
+                <a:latin typeface="+mn-lt"/>
+              </a:rPr>
+              <a:t>react</a:t>
+            </a:r>
+          </a:p>
+          <a:p>
+            <a:r>
+              <a:rPr lang="en-US" sz="1050" b="0" i="0" dirty="0">
+                <a:solidFill>
+                  <a:srgbClr val="404040"/>
+                </a:solidFill>
+                <a:effectLst/>
+                <a:latin typeface="Helvetica Neue"/>
+              </a:rPr>
+              <a:t>the mobile application on Facebook also builds React Native,</a:t>
+            </a:r>
+            <a:endParaRPr lang="en-US" sz="1400" dirty="0">
+              <a:latin typeface="+mn-lt"/>
+            </a:endParaRPr>
+          </a:p>
+          <a:p>
+            <a:r>
+              <a:rPr lang="en-US" sz="1050" b="0" i="0" dirty="0" err="1">
+                <a:solidFill>
+                  <a:srgbClr val="404040"/>
+                </a:solidFill>
+                <a:effectLst/>
+                <a:latin typeface="Helvetica Neue"/>
+              </a:rPr>
+              <a:t>Instegram</a:t>
+            </a:r>
+            <a:r>
+              <a:rPr lang="en-US" sz="1050" b="0" i="0" dirty="0">
+                <a:solidFill>
+                  <a:srgbClr val="404040"/>
+                </a:solidFill>
+                <a:effectLst/>
+                <a:latin typeface="Helvetica Neue"/>
+              </a:rPr>
+              <a:t> built completely with React</a:t>
+            </a:r>
+          </a:p>
+          <a:p>
+            <a:r>
+              <a:rPr lang="en-US" sz="1050" b="0" i="0" dirty="0">
+                <a:solidFill>
+                  <a:srgbClr val="404040"/>
+                </a:solidFill>
+                <a:effectLst/>
+                <a:latin typeface="Helvetica Neue"/>
+              </a:rPr>
+              <a:t> </a:t>
+            </a:r>
+            <a:r>
+              <a:rPr lang="en-US" sz="1050" b="0" i="0" dirty="0">
+                <a:solidFill>
+                  <a:srgbClr val="FF0000"/>
+                </a:solidFill>
+                <a:effectLst/>
+                <a:latin typeface="Helvetica Neue"/>
+              </a:rPr>
+              <a:t>Netflix</a:t>
+            </a:r>
+            <a:r>
+              <a:rPr lang="en-US" sz="1050" b="0" i="0" dirty="0">
+                <a:solidFill>
+                  <a:srgbClr val="404040"/>
+                </a:solidFill>
+                <a:effectLst/>
+                <a:latin typeface="Helvetica Neue"/>
+              </a:rPr>
+              <a:t> also comes under the best React websites list</a:t>
+            </a:r>
+            <a:endParaRPr lang="en-US" sz="1050" dirty="0">
+              <a:solidFill>
+                <a:srgbClr val="404040"/>
+              </a:solidFill>
+              <a:latin typeface="Helvetica Neue"/>
+            </a:endParaRPr>
+          </a:p>
+          <a:p>
+            <a:r>
+              <a:rPr lang="en-US" sz="1050" dirty="0">
+                <a:solidFill>
+                  <a:srgbClr val="404040"/>
+                </a:solidFill>
+                <a:latin typeface="Helvetica Neue"/>
+              </a:rPr>
+              <a:t>Yahoo mail using </a:t>
+            </a:r>
+            <a:r>
+              <a:rPr lang="en-US" sz="800" b="0" i="0" dirty="0">
+                <a:solidFill>
+                  <a:srgbClr val="404040"/>
+                </a:solidFill>
+                <a:effectLst/>
+                <a:latin typeface="Helvetica Neue"/>
+              </a:rPr>
+              <a:t>technologies</a:t>
+            </a:r>
+            <a:r>
+              <a:rPr lang="en-US" sz="1050" dirty="0">
+                <a:solidFill>
+                  <a:srgbClr val="404040"/>
+                </a:solidFill>
+                <a:latin typeface="Helvetica Neue"/>
+              </a:rPr>
+              <a:t> including react </a:t>
+            </a:r>
+            <a:r>
+              <a:rPr lang="en-US" sz="1050" dirty="0" err="1">
+                <a:solidFill>
+                  <a:srgbClr val="404040"/>
+                </a:solidFill>
+                <a:latin typeface="Helvetica Neue"/>
+              </a:rPr>
+              <a:t>react</a:t>
+            </a:r>
+            <a:endParaRPr lang="en-US" sz="1050" dirty="0">
+              <a:solidFill>
+                <a:srgbClr val="404040"/>
+              </a:solidFill>
+              <a:latin typeface="Helvetica Neue"/>
+            </a:endParaRPr>
+          </a:p>
+          <a:p>
+            <a:endParaRPr lang="en-US" sz="1400" dirty="0">
+              <a:latin typeface="+mn-lt"/>
+            </a:endParaRPr>
+          </a:p>
+          <a:p>
+            <a:r>
+              <a:rPr lang="en-US" sz="1050" b="1" i="0" dirty="0">
+                <a:effectLst/>
+                <a:latin typeface="museo-sans"/>
+              </a:rPr>
+              <a:t> YouTube</a:t>
+            </a:r>
+            <a:r>
+              <a:rPr lang="en-US" sz="1050" b="0" i="0" dirty="0">
+                <a:effectLst/>
+                <a:latin typeface="museo-sans"/>
+              </a:rPr>
+              <a:t> it is built using Angular</a:t>
+            </a:r>
+            <a:endParaRPr lang="en-US" sz="1400" dirty="0">
+              <a:solidFill>
+                <a:srgbClr val="FF0000"/>
+              </a:solidFill>
+              <a:latin typeface="+mn-lt"/>
+            </a:endParaRPr>
+          </a:p>
+          <a:p>
+            <a:r>
+              <a:rPr lang="en-US" sz="1050" b="1" i="0" dirty="0">
+                <a:solidFill>
+                  <a:srgbClr val="FF0000"/>
+                </a:solidFill>
+                <a:effectLst/>
+                <a:latin typeface="museo-sans"/>
+              </a:rPr>
+              <a:t>Netflix</a:t>
+            </a:r>
+            <a:r>
+              <a:rPr lang="en-US" sz="1050" b="0" i="0" dirty="0">
+                <a:solidFill>
+                  <a:srgbClr val="FF0000"/>
+                </a:solidFill>
+                <a:effectLst/>
+                <a:latin typeface="museo-sans"/>
+              </a:rPr>
+              <a:t> </a:t>
+            </a:r>
+            <a:endParaRPr lang="en-US" sz="1400" dirty="0">
+              <a:solidFill>
+                <a:srgbClr val="FF0000"/>
+              </a:solidFill>
+            </a:endParaRPr>
+          </a:p>
+          <a:p>
+            <a:r>
+              <a:rPr lang="en-US" sz="1050" b="1" i="0" dirty="0">
+                <a:effectLst/>
+                <a:latin typeface="museo-sans"/>
+              </a:rPr>
+              <a:t>Walmart</a:t>
+            </a:r>
+          </a:p>
+          <a:p>
+            <a:r>
+              <a:rPr lang="en-US" sz="800" b="1" i="0" dirty="0">
+                <a:effectLst/>
+                <a:latin typeface="museo-sans"/>
+              </a:rPr>
+              <a:t>PayPal</a:t>
+            </a:r>
+            <a:r>
+              <a:rPr lang="en-US" sz="800" b="0" i="0" dirty="0">
+                <a:effectLst/>
+                <a:latin typeface="museo-sans"/>
+              </a:rPr>
+              <a:t>  </a:t>
+            </a:r>
+          </a:p>
+          <a:p>
+            <a:r>
+              <a:rPr lang="en-US" sz="800" b="1" i="0" dirty="0">
+                <a:effectLst/>
+                <a:latin typeface="museo-sans"/>
+              </a:rPr>
+              <a:t>Gmail  </a:t>
+            </a:r>
+            <a:r>
+              <a:rPr lang="en-US" sz="1050" b="0" i="0" dirty="0">
+                <a:effectLst/>
+                <a:latin typeface="museo-sans"/>
+              </a:rPr>
+              <a:t> </a:t>
+            </a:r>
+            <a:endParaRPr lang="en-IL" sz="1400" dirty="0"/>
+          </a:p>
+        </p:txBody>
+      </p:sp>
+    </p:spTree>
+    <p:extLst>
+      <p:ext uri="{BB962C8B-B14F-4D97-AF65-F5344CB8AC3E}">
+        <p14:creationId xmlns:p14="http://schemas.microsoft.com/office/powerpoint/2010/main" val="3660994701"/>
+      </p:ext>
+    </p:extLst>
+  </p:cSld>
+  <p:clrMapOvr>
+    <a:masterClrMapping/>
+  </p:clrMapOvr>
+</p:sld>
+</file>
+
+<file path=ppt/slides/slide9.xml><?xml version="1.0" encoding="utf-8"?>
+<p:sld xmlns:a="http://schemas.openxmlformats.org/drawingml/2006/main" xmlns:r="http://schemas.openxmlformats.org/officeDocument/2006/relationships" xmlns:p="http://schemas.openxmlformats.org/presentationml/2006/main">
+  <p:cSld>
+    <p:spTree>
+      <p:nvGrpSpPr>
+        <p:cNvPr id="1" name=""/>
+        <p:cNvGrpSpPr/>
+        <p:nvPr/>
+      </p:nvGrpSpPr>
+      <p:grpSpPr>
+        <a:xfrm>
+          <a:off x="0" y="0"/>
+          <a:ext cx="0" cy="0"/>
+          <a:chOff x="0" y="0"/>
+          <a:chExt cx="0" cy="0"/>
+        </a:xfrm>
+      </p:grpSpPr>
+      <p:sp>
+        <p:nvSpPr>
           <p:cNvPr id="2" name="Title 1">
             <a:extLst>
               <a:ext uri="{FF2B5EF4-FFF2-40B4-BE49-F238E27FC236}">
@@ -12063,234 +13357,6 @@
     <p:extLst>
       <p:ext uri="{BB962C8B-B14F-4D97-AF65-F5344CB8AC3E}">
         <p14:creationId xmlns:p14="http://schemas.microsoft.com/office/powerpoint/2010/main" val="1059379449"/>
-      </p:ext>
-    </p:extLst>
-  </p:cSld>
-  <p:clrMapOvr>
-    <a:masterClrMapping/>
-  </p:clrMapOvr>
-</p:sld>
-</file>
-
-<file path=ppt/slides/slide9.xml><?xml version="1.0" encoding="utf-8"?>
-<p:sld xmlns:a="http://schemas.openxmlformats.org/drawingml/2006/main" xmlns:r="http://schemas.openxmlformats.org/officeDocument/2006/relationships" xmlns:p="http://schemas.openxmlformats.org/presentationml/2006/main">
-  <p:cSld>
-    <p:spTree>
-      <p:nvGrpSpPr>
-        <p:cNvPr id="1" name=""/>
-        <p:cNvGrpSpPr/>
-        <p:nvPr/>
-      </p:nvGrpSpPr>
-      <p:grpSpPr>
-        <a:xfrm>
-          <a:off x="0" y="0"/>
-          <a:ext cx="0" cy="0"/>
-          <a:chOff x="0" y="0"/>
-          <a:chExt cx="0" cy="0"/>
-        </a:xfrm>
-      </p:grpSpPr>
-      <p:sp>
-        <p:nvSpPr>
-          <p:cNvPr id="2" name="Title 1">
-            <a:extLst>
-              <a:ext uri="{FF2B5EF4-FFF2-40B4-BE49-F238E27FC236}">
-                <a16:creationId xmlns:a16="http://schemas.microsoft.com/office/drawing/2014/main" id="{4AAC5AB5-9321-4DFF-B205-2554CD4A29FE}"/>
-              </a:ext>
-            </a:extLst>
-          </p:cNvPr>
-          <p:cNvSpPr>
-            <a:spLocks noGrp="1"/>
-          </p:cNvSpPr>
-          <p:nvPr>
-            <p:ph type="title"/>
-          </p:nvPr>
-        </p:nvSpPr>
-        <p:spPr/>
-        <p:txBody>
-          <a:bodyPr>
-            <a:normAutofit/>
-          </a:bodyPr>
-          <a:lstStyle/>
-          <a:p>
-            <a:r>
-              <a:rPr lang="en-US" sz="3200" u="sng" dirty="0">
-                <a:latin typeface="+mn-lt"/>
-              </a:rPr>
-              <a:t>Angular</a:t>
-            </a:r>
-            <a:r>
-              <a:rPr lang="en-US" sz="3200" dirty="0">
-                <a:latin typeface="+mn-lt"/>
-              </a:rPr>
-              <a:t>:</a:t>
-            </a:r>
-            <a:endParaRPr lang="LID4096" sz="3200" dirty="0">
-              <a:latin typeface="+mn-lt"/>
-            </a:endParaRPr>
-          </a:p>
-        </p:txBody>
-      </p:sp>
-      <p:sp>
-        <p:nvSpPr>
-          <p:cNvPr id="3" name="Content Placeholder 2">
-            <a:extLst>
-              <a:ext uri="{FF2B5EF4-FFF2-40B4-BE49-F238E27FC236}">
-                <a16:creationId xmlns:a16="http://schemas.microsoft.com/office/drawing/2014/main" id="{C3133856-4561-494E-AAFE-424917C13153}"/>
-              </a:ext>
-            </a:extLst>
-          </p:cNvPr>
-          <p:cNvSpPr>
-            <a:spLocks noGrp="1"/>
-          </p:cNvSpPr>
-          <p:nvPr>
-            <p:ph idx="1"/>
-          </p:nvPr>
-        </p:nvSpPr>
-        <p:spPr/>
-        <p:txBody>
-          <a:bodyPr>
-            <a:normAutofit/>
-          </a:bodyPr>
-          <a:lstStyle/>
-          <a:p>
-            <a:r>
-              <a:rPr lang="en-US" sz="2000" b="0" i="0" dirty="0">
-                <a:solidFill>
-                  <a:srgbClr val="222222"/>
-                </a:solidFill>
-                <a:effectLst/>
-              </a:rPr>
-              <a:t>Built-in support for AJAX, HTTP, and Observables</a:t>
-            </a:r>
-          </a:p>
-          <a:p>
-            <a:r>
-              <a:rPr lang="en-US" sz="2000" b="0" i="0" dirty="0">
-                <a:solidFill>
-                  <a:srgbClr val="222222"/>
-                </a:solidFill>
-                <a:effectLst/>
-              </a:rPr>
-              <a:t>Consistent with technology</a:t>
-            </a:r>
-          </a:p>
-          <a:p>
-            <a:pPr algn="l">
-              <a:buFont typeface="Arial" panose="020B0604020202020204" pitchFamily="34" charset="0"/>
-              <a:buChar char="•"/>
-            </a:pPr>
-            <a:r>
-              <a:rPr lang="en-US" sz="2000" b="0" i="0" dirty="0">
-                <a:solidFill>
-                  <a:srgbClr val="222222"/>
-                </a:solidFill>
-                <a:effectLst/>
-              </a:rPr>
-              <a:t>Cleaner and crisp Coding</a:t>
-            </a:r>
-          </a:p>
-          <a:p>
-            <a:pPr algn="l">
-              <a:buFont typeface="Arial" panose="020B0604020202020204" pitchFamily="34" charset="0"/>
-              <a:buChar char="•"/>
-            </a:pPr>
-            <a:r>
-              <a:rPr lang="en-US" sz="2000" b="0" i="0" dirty="0">
-                <a:solidFill>
-                  <a:srgbClr val="222222"/>
-                </a:solidFill>
-                <a:effectLst/>
-              </a:rPr>
-              <a:t>Enhanced support for error handling</a:t>
-            </a:r>
-          </a:p>
-          <a:p>
-            <a:r>
-              <a:rPr lang="en-US" sz="2000" b="0" i="0" dirty="0">
-                <a:solidFill>
-                  <a:srgbClr val="222222"/>
-                </a:solidFill>
-                <a:effectLst/>
-              </a:rPr>
-              <a:t>Forms and validation</a:t>
-            </a:r>
-          </a:p>
-          <a:p>
-            <a:r>
-              <a:rPr lang="en-US" sz="2000" b="0" i="0" dirty="0">
-                <a:solidFill>
-                  <a:srgbClr val="222222"/>
-                </a:solidFill>
-                <a:effectLst/>
-              </a:rPr>
-              <a:t>Shadow DOM / local CSS</a:t>
-            </a:r>
-          </a:p>
-          <a:p>
-            <a:r>
-              <a:rPr lang="en-US" sz="2000" b="0" i="0" dirty="0">
-                <a:solidFill>
-                  <a:srgbClr val="222222"/>
-                </a:solidFill>
-                <a:effectLst/>
-              </a:rPr>
-              <a:t>UI and Business Logic Separation</a:t>
-            </a:r>
-            <a:endParaRPr lang="LID4096" sz="2000" dirty="0"/>
-          </a:p>
-        </p:txBody>
-      </p:sp>
-      <p:pic>
-        <p:nvPicPr>
-          <p:cNvPr id="9" name="Picture 6" descr="Angular Logo png transparent">
-            <a:extLst>
-              <a:ext uri="{FF2B5EF4-FFF2-40B4-BE49-F238E27FC236}">
-                <a16:creationId xmlns:a16="http://schemas.microsoft.com/office/drawing/2014/main" id="{20ACC32B-2E81-479A-B641-DA81A1350821}"/>
-              </a:ext>
-            </a:extLst>
-          </p:cNvPr>
-          <p:cNvPicPr>
-            <a:picLocks noChangeAspect="1" noChangeArrowheads="1"/>
-          </p:cNvPicPr>
-          <p:nvPr/>
-        </p:nvPicPr>
-        <p:blipFill>
-          <a:blip r:embed="rId2">
-            <a:extLst>
-              <a:ext uri="{28A0092B-C50C-407E-A947-70E740481C1C}">
-                <a14:useLocalDpi xmlns:a14="http://schemas.microsoft.com/office/drawing/2010/main" val="0"/>
-              </a:ext>
-            </a:extLst>
-          </a:blip>
-          <a:srcRect/>
-          <a:stretch>
-            <a:fillRect/>
-          </a:stretch>
-        </p:blipFill>
-        <p:spPr bwMode="auto">
-          <a:xfrm>
-            <a:off x="9914246" y="235986"/>
-            <a:ext cx="1867466" cy="1984126"/>
-          </a:xfrm>
-          <a:prstGeom prst="rect">
-            <a:avLst/>
-          </a:prstGeom>
-          <a:noFill/>
-          <a:extLst>
-            <a:ext uri="{909E8E84-426E-40DD-AFC4-6F175D3DCCD1}">
-              <a14:hiddenFill xmlns:a14="http://schemas.microsoft.com/office/drawing/2010/main">
-                <a:solidFill>
-                  <a:srgbClr val="FFFFFF"/>
-                </a:solidFill>
-              </a14:hiddenFill>
-            </a:ext>
-          </a:extLst>
-        </p:spPr>
-      </p:pic>
-    </p:spTree>
-    <p:extLst>
-      <p:ext uri="{BB962C8B-B14F-4D97-AF65-F5344CB8AC3E}">
-        <p14:creationId xmlns:p14="http://schemas.microsoft.com/office/powerpoint/2010/main" val="2069121290"/>
       </p:ext>
     </p:extLst>
   </p:cSld>
